--- a/parallel_image_processing.pptx
+++ b/parallel_image_processing.pptx
@@ -209,16 +209,16 @@
                   <c:v>1</c:v>
                 </c:pt>
                 <c:pt idx="1">
-                  <c:v>1.89</c:v>
+                  <c:v>2.02</c:v>
                 </c:pt>
                 <c:pt idx="2">
-                  <c:v>3.56</c:v>
+                  <c:v>3.98</c:v>
                 </c:pt>
                 <c:pt idx="3">
-                  <c:v>6.17</c:v>
+                  <c:v>4.57</c:v>
                 </c:pt>
                 <c:pt idx="4">
-                  <c:v>5.29</c:v>
+                  <c:v>2.58</c:v>
                 </c:pt>
               </c:numCache>
             </c:numRef>
@@ -304,16 +304,16 @@
                   <c:v>1</c:v>
                 </c:pt>
                 <c:pt idx="1">
-                  <c:v>1.67</c:v>
+                  <c:v>1.89</c:v>
                 </c:pt>
                 <c:pt idx="2">
-                  <c:v>2.46</c:v>
+                  <c:v>2.89</c:v>
                 </c:pt>
                 <c:pt idx="3">
-                  <c:v>3.31</c:v>
+                  <c:v>2.81</c:v>
                 </c:pt>
                 <c:pt idx="4">
-                  <c:v>3.1</c:v>
+                  <c:v>2.0499999999999998</c:v>
                 </c:pt>
               </c:numCache>
             </c:numRef>
@@ -6216,7 +6216,7 @@
                 <a:ea typeface="Arial" pitchFamily="34" charset="-122"/>
                 <a:cs typeface="Arial" pitchFamily="34" charset="-120"/>
               </a:rPr>
-              <a:t>~6×</a:t>
+              <a:t>~5×</a:t>
             </a:r>
             <a:endParaRPr lang="en-US" sz="1500" dirty="0"/>
           </a:p>
@@ -6990,7 +6990,7 @@
                 <a:ea typeface="Arial" pitchFamily="34" charset="-122"/>
                 <a:cs typeface="Arial" pitchFamily="34" charset="-120"/>
               </a:rPr>
-              <a:t>Communication Overhead</a:t>
+              <a:t>Key Limitation: Communication Overhead</a:t>
             </a:r>
             <a:endParaRPr lang="en-US" sz="900" dirty="0"/>
           </a:p>
@@ -7657,7 +7657,7 @@
                 <a:ea typeface="Arial" pitchFamily="34" charset="-122"/>
                 <a:cs typeface="Arial" pitchFamily="34" charset="-120"/>
               </a:rPr>
-              <a:t>6.2× speedup at 8 threads. Shared memory eliminates communication overhead.</a:t>
+              <a:t>4.6× speedup at 8 threads. Shared memory eliminates communication overhead.</a:t>
             </a:r>
             <a:endParaRPr lang="en-US" sz="825" dirty="0"/>
           </a:p>
@@ -8042,7 +8042,7 @@
           <p:nvPr>
             <p:extLst>
               <p:ext uri="{D42A27DB-BD31-4B8C-83A1-F6EECF244321}">
-                <p14:modId xmlns:p14="http://schemas.microsoft.com/office/powerpoint/2010/main" val="4257850914"/>
+                <p14:modId xmlns:p14="http://schemas.microsoft.com/office/powerpoint/2010/main" val="2620876185"/>
               </p:ext>
             </p:extLst>
           </p:nvPr>
@@ -8313,14 +8313,15 @@
         </p:nvPicPr>
         <p:blipFill>
           <a:blip r:embed="rId5"/>
+          <a:srcRect r="27555"/>
           <a:stretch>
             <a:fillRect/>
           </a:stretch>
         </p:blipFill>
         <p:spPr>
           <a:xfrm>
-            <a:off x="5880508" y="1914169"/>
-            <a:ext cx="3155133" cy="1772992"/>
+            <a:off x="5956713" y="1504052"/>
+            <a:ext cx="2958687" cy="2295003"/>
           </a:xfrm>
           <a:prstGeom prst="rect">
             <a:avLst/>
